--- a/doc/Graphs.pptx
+++ b/doc/Graphs.pptx
@@ -5,10 +5,11 @@
     <p:sldMasterId id="2147483648" r:id="rId1"/>
   </p:sldMasterIdLst>
   <p:notesMasterIdLst>
-    <p:notesMasterId r:id="rId3"/>
+    <p:notesMasterId r:id="rId4"/>
   </p:notesMasterIdLst>
   <p:sldIdLst>
     <p:sldId id="256" r:id="rId2"/>
+    <p:sldId id="257" r:id="rId3"/>
   </p:sldIdLst>
   <p:sldSz cx="12192000" cy="6858000"/>
   <p:notesSz cx="6858000" cy="9144000"/>
@@ -107,6 +108,11 @@
       </a:defRPr>
     </a:lvl9pPr>
   </p:defaultTextStyle>
+  <p:extLst>
+    <p:ext uri="{EFAFB233-063F-42B5-8137-9DF3F51BA10A}">
+      <p15:sldGuideLst xmlns:p15="http://schemas.microsoft.com/office/powerpoint/2012/main"/>
+    </p:ext>
+  </p:extLst>
 </p:presentation>
 </file>
 
@@ -5655,6 +5661,1061 @@
 </p:sld>
 </file>
 
+<file path=ppt/slides/slide2.xml><?xml version="1.0" encoding="utf-8"?>
+<p:sld xmlns:a="http://schemas.openxmlformats.org/drawingml/2006/main" xmlns:r="http://schemas.openxmlformats.org/officeDocument/2006/relationships" xmlns:p="http://schemas.openxmlformats.org/presentationml/2006/main">
+  <p:cSld>
+    <p:spTree>
+      <p:nvGrpSpPr>
+        <p:cNvPr id="1" name=""/>
+        <p:cNvGrpSpPr/>
+        <p:nvPr/>
+      </p:nvGrpSpPr>
+      <p:grpSpPr>
+        <a:xfrm>
+          <a:off x="0" y="0"/>
+          <a:ext cx="0" cy="0"/>
+          <a:chOff x="0" y="0"/>
+          <a:chExt cx="0" cy="0"/>
+        </a:xfrm>
+      </p:grpSpPr>
+      <p:grpSp>
+        <p:nvGrpSpPr>
+          <p:cNvPr id="34" name="Group 33">
+            <a:extLst>
+              <a:ext uri="{FF2B5EF4-FFF2-40B4-BE49-F238E27FC236}">
+                <a16:creationId xmlns:a16="http://schemas.microsoft.com/office/drawing/2014/main" id="{8E49F719-6FBE-FB4A-A8EC-83330E5BD6FE}"/>
+              </a:ext>
+            </a:extLst>
+          </p:cNvPr>
+          <p:cNvGrpSpPr/>
+          <p:nvPr/>
+        </p:nvGrpSpPr>
+        <p:grpSpPr>
+          <a:xfrm>
+            <a:off x="316133" y="535769"/>
+            <a:ext cx="11875867" cy="1833174"/>
+            <a:chOff x="316133" y="535769"/>
+            <a:chExt cx="11875867" cy="1833174"/>
+          </a:xfrm>
+        </p:grpSpPr>
+        <p:sp>
+          <p:nvSpPr>
+            <p:cNvPr id="4" name="Rectangle 3">
+              <a:extLst>
+                <a:ext uri="{FF2B5EF4-FFF2-40B4-BE49-F238E27FC236}">
+                  <a16:creationId xmlns:a16="http://schemas.microsoft.com/office/drawing/2014/main" id="{2262D95E-0646-2B44-9C68-592A3181D17F}"/>
+                </a:ext>
+              </a:extLst>
+            </p:cNvPr>
+            <p:cNvSpPr/>
+            <p:nvPr/>
+          </p:nvSpPr>
+          <p:spPr>
+            <a:xfrm>
+              <a:off x="858982" y="1191491"/>
+              <a:ext cx="2521527" cy="415636"/>
+            </a:xfrm>
+            <a:prstGeom prst="rect">
+              <a:avLst/>
+            </a:prstGeom>
+          </p:spPr>
+          <p:style>
+            <a:lnRef idx="2">
+              <a:schemeClr val="accent1">
+                <a:shade val="50000"/>
+              </a:schemeClr>
+            </a:lnRef>
+            <a:fillRef idx="1">
+              <a:schemeClr val="accent1"/>
+            </a:fillRef>
+            <a:effectRef idx="0">
+              <a:schemeClr val="accent1"/>
+            </a:effectRef>
+            <a:fontRef idx="minor">
+              <a:schemeClr val="lt1"/>
+            </a:fontRef>
+          </p:style>
+          <p:txBody>
+            <a:bodyPr rtlCol="0" anchor="ctr"/>
+            <a:lstStyle/>
+            <a:p>
+              <a:pPr algn="ctr"/>
+              <a:r>
+                <a:rPr lang="en-US" dirty="0"/>
+                <a:t>Strong</a:t>
+              </a:r>
+              <a:r>
+                <a:rPr lang="zh-CN" altLang="en-US" dirty="0"/>
+                <a:t> </a:t>
+              </a:r>
+              <a:r>
+                <a:rPr lang="en-US" altLang="zh-CN" dirty="0"/>
+                <a:t>Taken</a:t>
+              </a:r>
+              <a:endParaRPr lang="en-US" dirty="0"/>
+            </a:p>
+          </p:txBody>
+        </p:sp>
+        <p:sp>
+          <p:nvSpPr>
+            <p:cNvPr id="5" name="Rectangle 4">
+              <a:extLst>
+                <a:ext uri="{FF2B5EF4-FFF2-40B4-BE49-F238E27FC236}">
+                  <a16:creationId xmlns:a16="http://schemas.microsoft.com/office/drawing/2014/main" id="{640F20AB-8097-2444-B421-A5369FB69E5C}"/>
+                </a:ext>
+              </a:extLst>
+            </p:cNvPr>
+            <p:cNvSpPr/>
+            <p:nvPr/>
+          </p:nvSpPr>
+          <p:spPr>
+            <a:xfrm>
+              <a:off x="3699164" y="1191491"/>
+              <a:ext cx="2521527" cy="415636"/>
+            </a:xfrm>
+            <a:prstGeom prst="rect">
+              <a:avLst/>
+            </a:prstGeom>
+          </p:spPr>
+          <p:style>
+            <a:lnRef idx="2">
+              <a:schemeClr val="accent1">
+                <a:shade val="50000"/>
+              </a:schemeClr>
+            </a:lnRef>
+            <a:fillRef idx="1">
+              <a:schemeClr val="accent1"/>
+            </a:fillRef>
+            <a:effectRef idx="0">
+              <a:schemeClr val="accent1"/>
+            </a:effectRef>
+            <a:fontRef idx="minor">
+              <a:schemeClr val="lt1"/>
+            </a:fontRef>
+          </p:style>
+          <p:txBody>
+            <a:bodyPr rtlCol="0" anchor="ctr"/>
+            <a:lstStyle/>
+            <a:p>
+              <a:pPr algn="ctr"/>
+              <a:r>
+                <a:rPr lang="en-US" altLang="zh-CN" dirty="0"/>
+                <a:t>Weak</a:t>
+              </a:r>
+              <a:r>
+                <a:rPr lang="zh-CN" altLang="en-US" dirty="0"/>
+                <a:t> </a:t>
+              </a:r>
+              <a:r>
+                <a:rPr lang="en-US" altLang="zh-CN" dirty="0"/>
+                <a:t>Taken</a:t>
+              </a:r>
+              <a:endParaRPr lang="en-US" dirty="0"/>
+            </a:p>
+          </p:txBody>
+        </p:sp>
+        <p:sp>
+          <p:nvSpPr>
+            <p:cNvPr id="6" name="Rectangle 5">
+              <a:extLst>
+                <a:ext uri="{FF2B5EF4-FFF2-40B4-BE49-F238E27FC236}">
+                  <a16:creationId xmlns:a16="http://schemas.microsoft.com/office/drawing/2014/main" id="{9DC51C17-02C6-D74F-A561-4C8356C79BFE}"/>
+                </a:ext>
+              </a:extLst>
+            </p:cNvPr>
+            <p:cNvSpPr/>
+            <p:nvPr/>
+          </p:nvSpPr>
+          <p:spPr>
+            <a:xfrm>
+              <a:off x="6539346" y="1191491"/>
+              <a:ext cx="2521527" cy="415636"/>
+            </a:xfrm>
+            <a:prstGeom prst="rect">
+              <a:avLst/>
+            </a:prstGeom>
+          </p:spPr>
+          <p:style>
+            <a:lnRef idx="2">
+              <a:schemeClr val="accent1">
+                <a:shade val="50000"/>
+              </a:schemeClr>
+            </a:lnRef>
+            <a:fillRef idx="1">
+              <a:schemeClr val="accent1"/>
+            </a:fillRef>
+            <a:effectRef idx="0">
+              <a:schemeClr val="accent1"/>
+            </a:effectRef>
+            <a:fontRef idx="minor">
+              <a:schemeClr val="lt1"/>
+            </a:fontRef>
+          </p:style>
+          <p:txBody>
+            <a:bodyPr rtlCol="0" anchor="ctr"/>
+            <a:lstStyle/>
+            <a:p>
+              <a:pPr algn="ctr"/>
+              <a:r>
+                <a:rPr lang="en-US" altLang="zh-CN" dirty="0"/>
+                <a:t>Weak</a:t>
+              </a:r>
+              <a:r>
+                <a:rPr lang="zh-CN" altLang="en-US" dirty="0"/>
+                <a:t> </a:t>
+              </a:r>
+              <a:r>
+                <a:rPr lang="en-US" altLang="zh-CN" dirty="0"/>
+                <a:t>Not</a:t>
+              </a:r>
+              <a:r>
+                <a:rPr lang="zh-CN" altLang="en-US" dirty="0"/>
+                <a:t> </a:t>
+              </a:r>
+              <a:r>
+                <a:rPr lang="en-US" altLang="zh-CN" dirty="0"/>
+                <a:t>Taken</a:t>
+              </a:r>
+              <a:endParaRPr lang="en-US" dirty="0"/>
+            </a:p>
+          </p:txBody>
+        </p:sp>
+        <p:sp>
+          <p:nvSpPr>
+            <p:cNvPr id="7" name="Rectangle 6">
+              <a:extLst>
+                <a:ext uri="{FF2B5EF4-FFF2-40B4-BE49-F238E27FC236}">
+                  <a16:creationId xmlns:a16="http://schemas.microsoft.com/office/drawing/2014/main" id="{DA59232D-D5E3-8E48-B55A-9A5B0D2A2695}"/>
+                </a:ext>
+              </a:extLst>
+            </p:cNvPr>
+            <p:cNvSpPr/>
+            <p:nvPr/>
+          </p:nvSpPr>
+          <p:spPr>
+            <a:xfrm>
+              <a:off x="9379528" y="1191491"/>
+              <a:ext cx="2521527" cy="415636"/>
+            </a:xfrm>
+            <a:prstGeom prst="rect">
+              <a:avLst/>
+            </a:prstGeom>
+          </p:spPr>
+          <p:style>
+            <a:lnRef idx="2">
+              <a:schemeClr val="accent1">
+                <a:shade val="50000"/>
+              </a:schemeClr>
+            </a:lnRef>
+            <a:fillRef idx="1">
+              <a:schemeClr val="accent1"/>
+            </a:fillRef>
+            <a:effectRef idx="0">
+              <a:schemeClr val="accent1"/>
+            </a:effectRef>
+            <a:fontRef idx="minor">
+              <a:schemeClr val="lt1"/>
+            </a:fontRef>
+          </p:style>
+          <p:txBody>
+            <a:bodyPr rtlCol="0" anchor="ctr"/>
+            <a:lstStyle/>
+            <a:p>
+              <a:pPr algn="ctr"/>
+              <a:r>
+                <a:rPr lang="en-US" altLang="zh-CN" dirty="0"/>
+                <a:t>Strong</a:t>
+              </a:r>
+              <a:r>
+                <a:rPr lang="zh-CN" altLang="en-US" dirty="0"/>
+                <a:t> </a:t>
+              </a:r>
+              <a:r>
+                <a:rPr lang="en-US" altLang="zh-CN" dirty="0"/>
+                <a:t>Not</a:t>
+              </a:r>
+              <a:r>
+                <a:rPr lang="zh-CN" altLang="en-US" dirty="0"/>
+                <a:t> </a:t>
+              </a:r>
+              <a:r>
+                <a:rPr lang="en-US" altLang="zh-CN" dirty="0"/>
+                <a:t>Taken</a:t>
+              </a:r>
+              <a:endParaRPr lang="en-US" dirty="0"/>
+            </a:p>
+          </p:txBody>
+        </p:sp>
+        <p:sp>
+          <p:nvSpPr>
+            <p:cNvPr id="13" name="U-Turn Arrow 12">
+              <a:extLst>
+                <a:ext uri="{FF2B5EF4-FFF2-40B4-BE49-F238E27FC236}">
+                  <a16:creationId xmlns:a16="http://schemas.microsoft.com/office/drawing/2014/main" id="{2D959FA8-5825-324B-9676-893BF674A3D2}"/>
+                </a:ext>
+              </a:extLst>
+            </p:cNvPr>
+            <p:cNvSpPr/>
+            <p:nvPr/>
+          </p:nvSpPr>
+          <p:spPr>
+            <a:xfrm>
+              <a:off x="2944091" y="831273"/>
+              <a:ext cx="1191491" cy="360218"/>
+            </a:xfrm>
+            <a:prstGeom prst="uturnArrow">
+              <a:avLst>
+                <a:gd name="adj1" fmla="val 25000"/>
+                <a:gd name="adj2" fmla="val 25000"/>
+                <a:gd name="adj3" fmla="val 17857"/>
+                <a:gd name="adj4" fmla="val 43750"/>
+                <a:gd name="adj5" fmla="val 100000"/>
+              </a:avLst>
+            </a:prstGeom>
+          </p:spPr>
+          <p:style>
+            <a:lnRef idx="2">
+              <a:schemeClr val="accent3">
+                <a:shade val="50000"/>
+              </a:schemeClr>
+            </a:lnRef>
+            <a:fillRef idx="1">
+              <a:schemeClr val="accent3"/>
+            </a:fillRef>
+            <a:effectRef idx="0">
+              <a:schemeClr val="accent3"/>
+            </a:effectRef>
+            <a:fontRef idx="minor">
+              <a:schemeClr val="lt1"/>
+            </a:fontRef>
+          </p:style>
+          <p:txBody>
+            <a:bodyPr rtlCol="0" anchor="ctr"/>
+            <a:lstStyle/>
+            <a:p>
+              <a:pPr algn="ctr"/>
+              <a:endParaRPr lang="en-US">
+                <a:solidFill>
+                  <a:schemeClr val="tx1"/>
+                </a:solidFill>
+              </a:endParaRPr>
+            </a:p>
+          </p:txBody>
+        </p:sp>
+        <p:sp>
+          <p:nvSpPr>
+            <p:cNvPr id="14" name="U-Turn Arrow 13">
+              <a:extLst>
+                <a:ext uri="{FF2B5EF4-FFF2-40B4-BE49-F238E27FC236}">
+                  <a16:creationId xmlns:a16="http://schemas.microsoft.com/office/drawing/2014/main" id="{8EEA2E87-67C0-A24A-83D6-2FFB98A9522B}"/>
+                </a:ext>
+              </a:extLst>
+            </p:cNvPr>
+            <p:cNvSpPr/>
+            <p:nvPr/>
+          </p:nvSpPr>
+          <p:spPr>
+            <a:xfrm flipH="1" flipV="1">
+              <a:off x="2944090" y="1607127"/>
+              <a:ext cx="1191491" cy="401782"/>
+            </a:xfrm>
+            <a:prstGeom prst="uturnArrow">
+              <a:avLst>
+                <a:gd name="adj1" fmla="val 25000"/>
+                <a:gd name="adj2" fmla="val 25000"/>
+                <a:gd name="adj3" fmla="val 17857"/>
+                <a:gd name="adj4" fmla="val 43750"/>
+                <a:gd name="adj5" fmla="val 100000"/>
+              </a:avLst>
+            </a:prstGeom>
+          </p:spPr>
+          <p:style>
+            <a:lnRef idx="2">
+              <a:schemeClr val="accent3">
+                <a:shade val="50000"/>
+              </a:schemeClr>
+            </a:lnRef>
+            <a:fillRef idx="1">
+              <a:schemeClr val="accent3"/>
+            </a:fillRef>
+            <a:effectRef idx="0">
+              <a:schemeClr val="accent3"/>
+            </a:effectRef>
+            <a:fontRef idx="minor">
+              <a:schemeClr val="lt1"/>
+            </a:fontRef>
+          </p:style>
+          <p:txBody>
+            <a:bodyPr rtlCol="0" anchor="ctr"/>
+            <a:lstStyle/>
+            <a:p>
+              <a:pPr algn="ctr"/>
+              <a:endParaRPr lang="en-US">
+                <a:solidFill>
+                  <a:schemeClr val="tx1"/>
+                </a:solidFill>
+              </a:endParaRPr>
+            </a:p>
+          </p:txBody>
+        </p:sp>
+        <p:sp>
+          <p:nvSpPr>
+            <p:cNvPr id="19" name="U-Turn Arrow 18">
+              <a:extLst>
+                <a:ext uri="{FF2B5EF4-FFF2-40B4-BE49-F238E27FC236}">
+                  <a16:creationId xmlns:a16="http://schemas.microsoft.com/office/drawing/2014/main" id="{4DA34401-8597-4F46-9503-B23C7C6053F3}"/>
+                </a:ext>
+              </a:extLst>
+            </p:cNvPr>
+            <p:cNvSpPr/>
+            <p:nvPr/>
+          </p:nvSpPr>
+          <p:spPr>
+            <a:xfrm>
+              <a:off x="5784273" y="831273"/>
+              <a:ext cx="1191491" cy="360218"/>
+            </a:xfrm>
+            <a:prstGeom prst="uturnArrow">
+              <a:avLst>
+                <a:gd name="adj1" fmla="val 25000"/>
+                <a:gd name="adj2" fmla="val 25000"/>
+                <a:gd name="adj3" fmla="val 17857"/>
+                <a:gd name="adj4" fmla="val 43750"/>
+                <a:gd name="adj5" fmla="val 100000"/>
+              </a:avLst>
+            </a:prstGeom>
+          </p:spPr>
+          <p:style>
+            <a:lnRef idx="2">
+              <a:schemeClr val="accent3">
+                <a:shade val="50000"/>
+              </a:schemeClr>
+            </a:lnRef>
+            <a:fillRef idx="1">
+              <a:schemeClr val="accent3"/>
+            </a:fillRef>
+            <a:effectRef idx="0">
+              <a:schemeClr val="accent3"/>
+            </a:effectRef>
+            <a:fontRef idx="minor">
+              <a:schemeClr val="lt1"/>
+            </a:fontRef>
+          </p:style>
+          <p:txBody>
+            <a:bodyPr rtlCol="0" anchor="ctr"/>
+            <a:lstStyle/>
+            <a:p>
+              <a:pPr algn="ctr"/>
+              <a:endParaRPr lang="en-US">
+                <a:solidFill>
+                  <a:schemeClr val="tx1"/>
+                </a:solidFill>
+              </a:endParaRPr>
+            </a:p>
+          </p:txBody>
+        </p:sp>
+        <p:sp>
+          <p:nvSpPr>
+            <p:cNvPr id="20" name="U-Turn Arrow 19">
+              <a:extLst>
+                <a:ext uri="{FF2B5EF4-FFF2-40B4-BE49-F238E27FC236}">
+                  <a16:creationId xmlns:a16="http://schemas.microsoft.com/office/drawing/2014/main" id="{EECEC367-E902-E847-893E-1AA3FC91DDB3}"/>
+                </a:ext>
+              </a:extLst>
+            </p:cNvPr>
+            <p:cNvSpPr/>
+            <p:nvPr/>
+          </p:nvSpPr>
+          <p:spPr>
+            <a:xfrm flipH="1" flipV="1">
+              <a:off x="5784272" y="1607127"/>
+              <a:ext cx="1191491" cy="401782"/>
+            </a:xfrm>
+            <a:prstGeom prst="uturnArrow">
+              <a:avLst>
+                <a:gd name="adj1" fmla="val 25000"/>
+                <a:gd name="adj2" fmla="val 25000"/>
+                <a:gd name="adj3" fmla="val 17857"/>
+                <a:gd name="adj4" fmla="val 43750"/>
+                <a:gd name="adj5" fmla="val 100000"/>
+              </a:avLst>
+            </a:prstGeom>
+          </p:spPr>
+          <p:style>
+            <a:lnRef idx="2">
+              <a:schemeClr val="accent3">
+                <a:shade val="50000"/>
+              </a:schemeClr>
+            </a:lnRef>
+            <a:fillRef idx="1">
+              <a:schemeClr val="accent3"/>
+            </a:fillRef>
+            <a:effectRef idx="0">
+              <a:schemeClr val="accent3"/>
+            </a:effectRef>
+            <a:fontRef idx="minor">
+              <a:schemeClr val="lt1"/>
+            </a:fontRef>
+          </p:style>
+          <p:txBody>
+            <a:bodyPr rtlCol="0" anchor="ctr"/>
+            <a:lstStyle/>
+            <a:p>
+              <a:pPr algn="ctr"/>
+              <a:endParaRPr lang="en-US">
+                <a:solidFill>
+                  <a:schemeClr val="tx1"/>
+                </a:solidFill>
+              </a:endParaRPr>
+            </a:p>
+          </p:txBody>
+        </p:sp>
+        <p:sp>
+          <p:nvSpPr>
+            <p:cNvPr id="21" name="U-Turn Arrow 20">
+              <a:extLst>
+                <a:ext uri="{FF2B5EF4-FFF2-40B4-BE49-F238E27FC236}">
+                  <a16:creationId xmlns:a16="http://schemas.microsoft.com/office/drawing/2014/main" id="{C938CA18-45AC-044A-939A-F03E526B2AF9}"/>
+                </a:ext>
+              </a:extLst>
+            </p:cNvPr>
+            <p:cNvSpPr/>
+            <p:nvPr/>
+          </p:nvSpPr>
+          <p:spPr>
+            <a:xfrm>
+              <a:off x="8624454" y="831273"/>
+              <a:ext cx="1191491" cy="360218"/>
+            </a:xfrm>
+            <a:prstGeom prst="uturnArrow">
+              <a:avLst>
+                <a:gd name="adj1" fmla="val 25000"/>
+                <a:gd name="adj2" fmla="val 25000"/>
+                <a:gd name="adj3" fmla="val 17857"/>
+                <a:gd name="adj4" fmla="val 43750"/>
+                <a:gd name="adj5" fmla="val 100000"/>
+              </a:avLst>
+            </a:prstGeom>
+          </p:spPr>
+          <p:style>
+            <a:lnRef idx="2">
+              <a:schemeClr val="accent3">
+                <a:shade val="50000"/>
+              </a:schemeClr>
+            </a:lnRef>
+            <a:fillRef idx="1">
+              <a:schemeClr val="accent3"/>
+            </a:fillRef>
+            <a:effectRef idx="0">
+              <a:schemeClr val="accent3"/>
+            </a:effectRef>
+            <a:fontRef idx="minor">
+              <a:schemeClr val="lt1"/>
+            </a:fontRef>
+          </p:style>
+          <p:txBody>
+            <a:bodyPr rtlCol="0" anchor="ctr"/>
+            <a:lstStyle/>
+            <a:p>
+              <a:pPr algn="ctr"/>
+              <a:endParaRPr lang="en-US">
+                <a:solidFill>
+                  <a:schemeClr val="tx1"/>
+                </a:solidFill>
+              </a:endParaRPr>
+            </a:p>
+          </p:txBody>
+        </p:sp>
+        <p:sp>
+          <p:nvSpPr>
+            <p:cNvPr id="22" name="U-Turn Arrow 21">
+              <a:extLst>
+                <a:ext uri="{FF2B5EF4-FFF2-40B4-BE49-F238E27FC236}">
+                  <a16:creationId xmlns:a16="http://schemas.microsoft.com/office/drawing/2014/main" id="{35560A41-40AD-9F41-959E-96AF04BDA8BB}"/>
+                </a:ext>
+              </a:extLst>
+            </p:cNvPr>
+            <p:cNvSpPr/>
+            <p:nvPr/>
+          </p:nvSpPr>
+          <p:spPr>
+            <a:xfrm flipH="1" flipV="1">
+              <a:off x="8624453" y="1607127"/>
+              <a:ext cx="1191491" cy="401782"/>
+            </a:xfrm>
+            <a:prstGeom prst="uturnArrow">
+              <a:avLst>
+                <a:gd name="adj1" fmla="val 25000"/>
+                <a:gd name="adj2" fmla="val 25000"/>
+                <a:gd name="adj3" fmla="val 17857"/>
+                <a:gd name="adj4" fmla="val 43750"/>
+                <a:gd name="adj5" fmla="val 100000"/>
+              </a:avLst>
+            </a:prstGeom>
+          </p:spPr>
+          <p:style>
+            <a:lnRef idx="2">
+              <a:schemeClr val="accent3">
+                <a:shade val="50000"/>
+              </a:schemeClr>
+            </a:lnRef>
+            <a:fillRef idx="1">
+              <a:schemeClr val="accent3"/>
+            </a:fillRef>
+            <a:effectRef idx="0">
+              <a:schemeClr val="accent3"/>
+            </a:effectRef>
+            <a:fontRef idx="minor">
+              <a:schemeClr val="lt1"/>
+            </a:fontRef>
+          </p:style>
+          <p:txBody>
+            <a:bodyPr rtlCol="0" anchor="ctr"/>
+            <a:lstStyle/>
+            <a:p>
+              <a:pPr algn="ctr"/>
+              <a:endParaRPr lang="en-US">
+                <a:solidFill>
+                  <a:schemeClr val="tx1"/>
+                </a:solidFill>
+              </a:endParaRPr>
+            </a:p>
+          </p:txBody>
+        </p:sp>
+        <p:sp>
+          <p:nvSpPr>
+            <p:cNvPr id="23" name="TextBox 22">
+              <a:extLst>
+                <a:ext uri="{FF2B5EF4-FFF2-40B4-BE49-F238E27FC236}">
+                  <a16:creationId xmlns:a16="http://schemas.microsoft.com/office/drawing/2014/main" id="{D551C467-491C-4844-A007-68EE53C8456E}"/>
+                </a:ext>
+              </a:extLst>
+            </p:cNvPr>
+            <p:cNvSpPr txBox="1"/>
+            <p:nvPr/>
+          </p:nvSpPr>
+          <p:spPr>
+            <a:xfrm>
+              <a:off x="2983652" y="535769"/>
+              <a:ext cx="1124219" cy="369332"/>
+            </a:xfrm>
+            <a:prstGeom prst="rect">
+              <a:avLst/>
+            </a:prstGeom>
+            <a:noFill/>
+          </p:spPr>
+          <p:txBody>
+            <a:bodyPr wrap="none" rtlCol="0">
+              <a:spAutoFit/>
+            </a:bodyPr>
+            <a:lstStyle/>
+            <a:p>
+              <a:r>
+                <a:rPr lang="en-US" altLang="zh-CN" dirty="0"/>
+                <a:t>Not</a:t>
+              </a:r>
+              <a:r>
+                <a:rPr lang="zh-CN" altLang="en-US" dirty="0"/>
+                <a:t> </a:t>
+              </a:r>
+              <a:r>
+                <a:rPr lang="en-US" altLang="zh-CN" dirty="0"/>
+                <a:t>Taken</a:t>
+              </a:r>
+              <a:endParaRPr lang="en-US" dirty="0"/>
+            </a:p>
+          </p:txBody>
+        </p:sp>
+        <p:sp>
+          <p:nvSpPr>
+            <p:cNvPr id="24" name="TextBox 23">
+              <a:extLst>
+                <a:ext uri="{FF2B5EF4-FFF2-40B4-BE49-F238E27FC236}">
+                  <a16:creationId xmlns:a16="http://schemas.microsoft.com/office/drawing/2014/main" id="{8EF19E41-1A73-0B4D-AC47-F07B163D369C}"/>
+                </a:ext>
+              </a:extLst>
+            </p:cNvPr>
+            <p:cNvSpPr txBox="1"/>
+            <p:nvPr/>
+          </p:nvSpPr>
+          <p:spPr>
+            <a:xfrm>
+              <a:off x="5851544" y="535769"/>
+              <a:ext cx="1124219" cy="369332"/>
+            </a:xfrm>
+            <a:prstGeom prst="rect">
+              <a:avLst/>
+            </a:prstGeom>
+            <a:noFill/>
+          </p:spPr>
+          <p:txBody>
+            <a:bodyPr wrap="none" rtlCol="0">
+              <a:spAutoFit/>
+            </a:bodyPr>
+            <a:lstStyle/>
+            <a:p>
+              <a:r>
+                <a:rPr lang="en-US" altLang="zh-CN" dirty="0"/>
+                <a:t>Not</a:t>
+              </a:r>
+              <a:r>
+                <a:rPr lang="zh-CN" altLang="en-US" dirty="0"/>
+                <a:t> </a:t>
+              </a:r>
+              <a:r>
+                <a:rPr lang="en-US" altLang="zh-CN" dirty="0"/>
+                <a:t>Taken</a:t>
+              </a:r>
+              <a:endParaRPr lang="en-US" dirty="0"/>
+            </a:p>
+          </p:txBody>
+        </p:sp>
+        <p:sp>
+          <p:nvSpPr>
+            <p:cNvPr id="25" name="TextBox 24">
+              <a:extLst>
+                <a:ext uri="{FF2B5EF4-FFF2-40B4-BE49-F238E27FC236}">
+                  <a16:creationId xmlns:a16="http://schemas.microsoft.com/office/drawing/2014/main" id="{94297231-7EC7-BC4D-A2F4-172A9BAD36F2}"/>
+                </a:ext>
+              </a:extLst>
+            </p:cNvPr>
+            <p:cNvSpPr txBox="1"/>
+            <p:nvPr/>
+          </p:nvSpPr>
+          <p:spPr>
+            <a:xfrm>
+              <a:off x="8691725" y="535769"/>
+              <a:ext cx="1124219" cy="369332"/>
+            </a:xfrm>
+            <a:prstGeom prst="rect">
+              <a:avLst/>
+            </a:prstGeom>
+            <a:noFill/>
+          </p:spPr>
+          <p:txBody>
+            <a:bodyPr wrap="none" rtlCol="0">
+              <a:spAutoFit/>
+            </a:bodyPr>
+            <a:lstStyle/>
+            <a:p>
+              <a:r>
+                <a:rPr lang="en-US" altLang="zh-CN" dirty="0"/>
+                <a:t>Not</a:t>
+              </a:r>
+              <a:r>
+                <a:rPr lang="zh-CN" altLang="en-US" dirty="0"/>
+                <a:t> </a:t>
+              </a:r>
+              <a:r>
+                <a:rPr lang="en-US" altLang="zh-CN" dirty="0"/>
+                <a:t>Taken</a:t>
+              </a:r>
+              <a:endParaRPr lang="en-US" dirty="0"/>
+            </a:p>
+          </p:txBody>
+        </p:sp>
+        <p:sp>
+          <p:nvSpPr>
+            <p:cNvPr id="26" name="TextBox 25">
+              <a:extLst>
+                <a:ext uri="{FF2B5EF4-FFF2-40B4-BE49-F238E27FC236}">
+                  <a16:creationId xmlns:a16="http://schemas.microsoft.com/office/drawing/2014/main" id="{8EE28493-7658-9C43-B5D1-A0B1C86FF35E}"/>
+                </a:ext>
+              </a:extLst>
+            </p:cNvPr>
+            <p:cNvSpPr txBox="1"/>
+            <p:nvPr/>
+          </p:nvSpPr>
+          <p:spPr>
+            <a:xfrm>
+              <a:off x="3178101" y="1967345"/>
+              <a:ext cx="723468" cy="369332"/>
+            </a:xfrm>
+            <a:prstGeom prst="rect">
+              <a:avLst/>
+            </a:prstGeom>
+            <a:noFill/>
+          </p:spPr>
+          <p:txBody>
+            <a:bodyPr wrap="none" rtlCol="0">
+              <a:spAutoFit/>
+            </a:bodyPr>
+            <a:lstStyle/>
+            <a:p>
+              <a:r>
+                <a:rPr lang="en-US" altLang="zh-CN" dirty="0"/>
+                <a:t>Taken</a:t>
+              </a:r>
+              <a:endParaRPr lang="en-US" dirty="0"/>
+            </a:p>
+          </p:txBody>
+        </p:sp>
+        <p:sp>
+          <p:nvSpPr>
+            <p:cNvPr id="27" name="TextBox 26">
+              <a:extLst>
+                <a:ext uri="{FF2B5EF4-FFF2-40B4-BE49-F238E27FC236}">
+                  <a16:creationId xmlns:a16="http://schemas.microsoft.com/office/drawing/2014/main" id="{9ACB0BE7-3C19-CE48-8265-F45CA448EE55}"/>
+                </a:ext>
+              </a:extLst>
+            </p:cNvPr>
+            <p:cNvSpPr txBox="1"/>
+            <p:nvPr/>
+          </p:nvSpPr>
+          <p:spPr>
+            <a:xfrm>
+              <a:off x="6051919" y="1967345"/>
+              <a:ext cx="723468" cy="369332"/>
+            </a:xfrm>
+            <a:prstGeom prst="rect">
+              <a:avLst/>
+            </a:prstGeom>
+            <a:noFill/>
+          </p:spPr>
+          <p:txBody>
+            <a:bodyPr wrap="none" rtlCol="0">
+              <a:spAutoFit/>
+            </a:bodyPr>
+            <a:lstStyle/>
+            <a:p>
+              <a:r>
+                <a:rPr lang="en-US" altLang="zh-CN" dirty="0"/>
+                <a:t>Taken</a:t>
+              </a:r>
+              <a:endParaRPr lang="en-US" dirty="0"/>
+            </a:p>
+          </p:txBody>
+        </p:sp>
+        <p:sp>
+          <p:nvSpPr>
+            <p:cNvPr id="28" name="TextBox 27">
+              <a:extLst>
+                <a:ext uri="{FF2B5EF4-FFF2-40B4-BE49-F238E27FC236}">
+                  <a16:creationId xmlns:a16="http://schemas.microsoft.com/office/drawing/2014/main" id="{61C7B9CF-CE65-7C45-8ACF-79990ACF5ECD}"/>
+                </a:ext>
+              </a:extLst>
+            </p:cNvPr>
+            <p:cNvSpPr txBox="1"/>
+            <p:nvPr/>
+          </p:nvSpPr>
+          <p:spPr>
+            <a:xfrm>
+              <a:off x="8892101" y="1999611"/>
+              <a:ext cx="723468" cy="369332"/>
+            </a:xfrm>
+            <a:prstGeom prst="rect">
+              <a:avLst/>
+            </a:prstGeom>
+            <a:noFill/>
+          </p:spPr>
+          <p:txBody>
+            <a:bodyPr wrap="none" rtlCol="0">
+              <a:spAutoFit/>
+            </a:bodyPr>
+            <a:lstStyle/>
+            <a:p>
+              <a:r>
+                <a:rPr lang="en-US" altLang="zh-CN" dirty="0"/>
+                <a:t>Taken</a:t>
+              </a:r>
+              <a:endParaRPr lang="en-US" dirty="0"/>
+            </a:p>
+          </p:txBody>
+        </p:sp>
+        <p:sp>
+          <p:nvSpPr>
+            <p:cNvPr id="29" name="Circular Arrow 28">
+              <a:extLst>
+                <a:ext uri="{FF2B5EF4-FFF2-40B4-BE49-F238E27FC236}">
+                  <a16:creationId xmlns:a16="http://schemas.microsoft.com/office/drawing/2014/main" id="{DF4CB370-A5D5-9049-B6BF-27D2D835E152}"/>
+                </a:ext>
+              </a:extLst>
+            </p:cNvPr>
+            <p:cNvSpPr/>
+            <p:nvPr/>
+          </p:nvSpPr>
+          <p:spPr>
+            <a:xfrm flipH="1">
+              <a:off x="937640" y="656359"/>
+              <a:ext cx="782784" cy="1070264"/>
+            </a:xfrm>
+            <a:prstGeom prst="circularArrow">
+              <a:avLst/>
+            </a:prstGeom>
+          </p:spPr>
+          <p:style>
+            <a:lnRef idx="2">
+              <a:schemeClr val="accent3">
+                <a:shade val="50000"/>
+              </a:schemeClr>
+            </a:lnRef>
+            <a:fillRef idx="1">
+              <a:schemeClr val="accent3"/>
+            </a:fillRef>
+            <a:effectRef idx="0">
+              <a:schemeClr val="accent3"/>
+            </a:effectRef>
+            <a:fontRef idx="minor">
+              <a:schemeClr val="lt1"/>
+            </a:fontRef>
+          </p:style>
+          <p:txBody>
+            <a:bodyPr rtlCol="0" anchor="ctr"/>
+            <a:lstStyle/>
+            <a:p>
+              <a:pPr algn="ctr"/>
+              <a:endParaRPr lang="en-US">
+                <a:solidFill>
+                  <a:schemeClr val="tx1"/>
+                </a:solidFill>
+              </a:endParaRPr>
+            </a:p>
+          </p:txBody>
+        </p:sp>
+        <p:sp>
+          <p:nvSpPr>
+            <p:cNvPr id="31" name="TextBox 30">
+              <a:extLst>
+                <a:ext uri="{FF2B5EF4-FFF2-40B4-BE49-F238E27FC236}">
+                  <a16:creationId xmlns:a16="http://schemas.microsoft.com/office/drawing/2014/main" id="{E6E21066-D1EE-124E-9F71-F2D2A0B6092B}"/>
+                </a:ext>
+              </a:extLst>
+            </p:cNvPr>
+            <p:cNvSpPr txBox="1"/>
+            <p:nvPr/>
+          </p:nvSpPr>
+          <p:spPr>
+            <a:xfrm>
+              <a:off x="316133" y="739259"/>
+              <a:ext cx="723468" cy="369332"/>
+            </a:xfrm>
+            <a:prstGeom prst="rect">
+              <a:avLst/>
+            </a:prstGeom>
+            <a:noFill/>
+          </p:spPr>
+          <p:txBody>
+            <a:bodyPr wrap="none" rtlCol="0">
+              <a:spAutoFit/>
+            </a:bodyPr>
+            <a:lstStyle/>
+            <a:p>
+              <a:r>
+                <a:rPr lang="en-US" altLang="zh-CN" dirty="0"/>
+                <a:t>Taken</a:t>
+              </a:r>
+              <a:endParaRPr lang="en-US" dirty="0"/>
+            </a:p>
+          </p:txBody>
+        </p:sp>
+        <p:sp>
+          <p:nvSpPr>
+            <p:cNvPr id="32" name="Circular Arrow 31">
+              <a:extLst>
+                <a:ext uri="{FF2B5EF4-FFF2-40B4-BE49-F238E27FC236}">
+                  <a16:creationId xmlns:a16="http://schemas.microsoft.com/office/drawing/2014/main" id="{323321A5-5F7E-6B40-BB02-E59631F61F46}"/>
+                </a:ext>
+              </a:extLst>
+            </p:cNvPr>
+            <p:cNvSpPr/>
+            <p:nvPr/>
+          </p:nvSpPr>
+          <p:spPr>
+            <a:xfrm>
+              <a:off x="10548234" y="656359"/>
+              <a:ext cx="737811" cy="1070264"/>
+            </a:xfrm>
+            <a:prstGeom prst="circularArrow">
+              <a:avLst/>
+            </a:prstGeom>
+          </p:spPr>
+          <p:style>
+            <a:lnRef idx="2">
+              <a:schemeClr val="accent3">
+                <a:shade val="50000"/>
+              </a:schemeClr>
+            </a:lnRef>
+            <a:fillRef idx="1">
+              <a:schemeClr val="accent3"/>
+            </a:fillRef>
+            <a:effectRef idx="0">
+              <a:schemeClr val="accent3"/>
+            </a:effectRef>
+            <a:fontRef idx="minor">
+              <a:schemeClr val="lt1"/>
+            </a:fontRef>
+          </p:style>
+          <p:txBody>
+            <a:bodyPr rtlCol="0" anchor="ctr"/>
+            <a:lstStyle/>
+            <a:p>
+              <a:pPr algn="ctr"/>
+              <a:endParaRPr lang="en-US">
+                <a:solidFill>
+                  <a:schemeClr val="tx1"/>
+                </a:solidFill>
+              </a:endParaRPr>
+            </a:p>
+          </p:txBody>
+        </p:sp>
+        <p:sp>
+          <p:nvSpPr>
+            <p:cNvPr id="33" name="TextBox 32">
+              <a:extLst>
+                <a:ext uri="{FF2B5EF4-FFF2-40B4-BE49-F238E27FC236}">
+                  <a16:creationId xmlns:a16="http://schemas.microsoft.com/office/drawing/2014/main" id="{EBD0C974-5D66-D742-8325-9162EE99EB3E}"/>
+                </a:ext>
+              </a:extLst>
+            </p:cNvPr>
+            <p:cNvSpPr txBox="1"/>
+            <p:nvPr/>
+          </p:nvSpPr>
+          <p:spPr>
+            <a:xfrm>
+              <a:off x="11067781" y="739259"/>
+              <a:ext cx="1124219" cy="369332"/>
+            </a:xfrm>
+            <a:prstGeom prst="rect">
+              <a:avLst/>
+            </a:prstGeom>
+            <a:noFill/>
+          </p:spPr>
+          <p:txBody>
+            <a:bodyPr wrap="none" rtlCol="0">
+              <a:spAutoFit/>
+            </a:bodyPr>
+            <a:lstStyle/>
+            <a:p>
+              <a:r>
+                <a:rPr lang="en-US" altLang="zh-CN" dirty="0"/>
+                <a:t>Not</a:t>
+              </a:r>
+              <a:r>
+                <a:rPr lang="zh-CN" altLang="en-US" dirty="0"/>
+                <a:t> </a:t>
+              </a:r>
+              <a:r>
+                <a:rPr lang="en-US" altLang="zh-CN" dirty="0"/>
+                <a:t>Taken</a:t>
+              </a:r>
+              <a:endParaRPr lang="en-US" dirty="0"/>
+            </a:p>
+          </p:txBody>
+        </p:sp>
+      </p:grpSp>
+    </p:spTree>
+    <p:extLst>
+      <p:ext uri="{BB962C8B-B14F-4D97-AF65-F5344CB8AC3E}">
+        <p14:creationId xmlns:p14="http://schemas.microsoft.com/office/powerpoint/2010/main" val="475654758"/>
+      </p:ext>
+    </p:extLst>
+  </p:cSld>
+  <p:clrMapOvr>
+    <a:masterClrMapping/>
+  </p:clrMapOvr>
+</p:sld>
+</file>
+
 <file path=ppt/theme/theme1.xml><?xml version="1.0" encoding="utf-8"?>
 <a:theme xmlns:a="http://schemas.openxmlformats.org/drawingml/2006/main" name="Office Theme">
   <a:themeElements>
